--- a/Objectives.pptx
+++ b/Objectives.pptx
@@ -115,6 +115,11 @@
       </a:defRPr>
     </a:lvl9pPr>
   </p:defaultTextStyle>
+  <p:extLst>
+    <p:ext uri="{EFAFB233-063F-42B5-8137-9DF3F51BA10A}">
+      <p15:sldGuideLst xmlns:p15="http://schemas.microsoft.com/office/powerpoint/2012/main"/>
+    </p:ext>
+  </p:extLst>
 </p:presentation>
 </file>
 
@@ -267,7 +272,7 @@
           <a:p>
             <a:fld id="{17B3567D-A526-4BFF-9BB3-B57E0EE8392E}" type="datetimeFigureOut">
               <a:rPr lang="en-SG" smtClean="0"/>
-              <a:t>14/3/2021</a:t>
+              <a:t>15/3/2021</a:t>
             </a:fld>
             <a:endParaRPr lang="en-SG"/>
           </a:p>
@@ -467,7 +472,7 @@
           <a:p>
             <a:fld id="{17B3567D-A526-4BFF-9BB3-B57E0EE8392E}" type="datetimeFigureOut">
               <a:rPr lang="en-SG" smtClean="0"/>
-              <a:t>14/3/2021</a:t>
+              <a:t>15/3/2021</a:t>
             </a:fld>
             <a:endParaRPr lang="en-SG"/>
           </a:p>
@@ -677,7 +682,7 @@
           <a:p>
             <a:fld id="{17B3567D-A526-4BFF-9BB3-B57E0EE8392E}" type="datetimeFigureOut">
               <a:rPr lang="en-SG" smtClean="0"/>
-              <a:t>14/3/2021</a:t>
+              <a:t>15/3/2021</a:t>
             </a:fld>
             <a:endParaRPr lang="en-SG"/>
           </a:p>
@@ -877,7 +882,7 @@
           <a:p>
             <a:fld id="{17B3567D-A526-4BFF-9BB3-B57E0EE8392E}" type="datetimeFigureOut">
               <a:rPr lang="en-SG" smtClean="0"/>
-              <a:t>14/3/2021</a:t>
+              <a:t>15/3/2021</a:t>
             </a:fld>
             <a:endParaRPr lang="en-SG"/>
           </a:p>
@@ -1153,7 +1158,7 @@
           <a:p>
             <a:fld id="{17B3567D-A526-4BFF-9BB3-B57E0EE8392E}" type="datetimeFigureOut">
               <a:rPr lang="en-SG" smtClean="0"/>
-              <a:t>14/3/2021</a:t>
+              <a:t>15/3/2021</a:t>
             </a:fld>
             <a:endParaRPr lang="en-SG"/>
           </a:p>
@@ -1421,7 +1426,7 @@
           <a:p>
             <a:fld id="{17B3567D-A526-4BFF-9BB3-B57E0EE8392E}" type="datetimeFigureOut">
               <a:rPr lang="en-SG" smtClean="0"/>
-              <a:t>14/3/2021</a:t>
+              <a:t>15/3/2021</a:t>
             </a:fld>
             <a:endParaRPr lang="en-SG"/>
           </a:p>
@@ -1836,7 +1841,7 @@
           <a:p>
             <a:fld id="{17B3567D-A526-4BFF-9BB3-B57E0EE8392E}" type="datetimeFigureOut">
               <a:rPr lang="en-SG" smtClean="0"/>
-              <a:t>14/3/2021</a:t>
+              <a:t>15/3/2021</a:t>
             </a:fld>
             <a:endParaRPr lang="en-SG"/>
           </a:p>
@@ -1978,7 +1983,7 @@
           <a:p>
             <a:fld id="{17B3567D-A526-4BFF-9BB3-B57E0EE8392E}" type="datetimeFigureOut">
               <a:rPr lang="en-SG" smtClean="0"/>
-              <a:t>14/3/2021</a:t>
+              <a:t>15/3/2021</a:t>
             </a:fld>
             <a:endParaRPr lang="en-SG"/>
           </a:p>
@@ -2091,7 +2096,7 @@
           <a:p>
             <a:fld id="{17B3567D-A526-4BFF-9BB3-B57E0EE8392E}" type="datetimeFigureOut">
               <a:rPr lang="en-SG" smtClean="0"/>
-              <a:t>14/3/2021</a:t>
+              <a:t>15/3/2021</a:t>
             </a:fld>
             <a:endParaRPr lang="en-SG"/>
           </a:p>
@@ -2404,7 +2409,7 @@
           <a:p>
             <a:fld id="{17B3567D-A526-4BFF-9BB3-B57E0EE8392E}" type="datetimeFigureOut">
               <a:rPr lang="en-SG" smtClean="0"/>
-              <a:t>14/3/2021</a:t>
+              <a:t>15/3/2021</a:t>
             </a:fld>
             <a:endParaRPr lang="en-SG"/>
           </a:p>
@@ -2693,7 +2698,7 @@
           <a:p>
             <a:fld id="{17B3567D-A526-4BFF-9BB3-B57E0EE8392E}" type="datetimeFigureOut">
               <a:rPr lang="en-SG" smtClean="0"/>
-              <a:t>14/3/2021</a:t>
+              <a:t>15/3/2021</a:t>
             </a:fld>
             <a:endParaRPr lang="en-SG"/>
           </a:p>
@@ -2936,7 +2941,7 @@
           <a:p>
             <a:fld id="{17B3567D-A526-4BFF-9BB3-B57E0EE8392E}" type="datetimeFigureOut">
               <a:rPr lang="en-SG" smtClean="0"/>
-              <a:t>14/3/2021</a:t>
+              <a:t>15/3/2021</a:t>
             </a:fld>
             <a:endParaRPr lang="en-SG"/>
           </a:p>
@@ -3928,7 +3933,11 @@
           <a:p>
             <a:r>
               <a:rPr lang="en-US" dirty="0"/>
-              <a:t>Where are the ideal new train stations</a:t>
+              <a:t>Where are the ideal new train stations for </a:t>
+            </a:r>
+            <a:r>
+              <a:rPr lang="en-US"/>
+              <a:t>MRT route</a:t>
             </a:r>
             <a:endParaRPr lang="en-SG" dirty="0"/>
           </a:p>
